--- a/20180501/report.PPTX
+++ b/20180501/report.PPTX
@@ -4120,37 +4120,78 @@
             <p:ph idx="1"/>
           </p:nvPr>
         </p:nvSpPr>
-        <p:spPr/>
-        <p:txBody>
-          <a:bodyPr/>
+        <p:spPr>
+          <a:xfrm>
+            <a:off x="838199" y="1825625"/>
+            <a:ext cx="10773229" cy="4351338"/>
+          </a:xfrm>
+        </p:spPr>
+        <p:txBody>
+          <a:bodyPr>
+            <a:normAutofit fontScale="85000" lnSpcReduction="20000"/>
+          </a:bodyPr>
           <a:lstStyle/>
           <a:p>
             <a:r>
               <a:rPr lang="en-US" dirty="0" smtClean="0"/>
-              <a:t>Find close clusters in initial voxel grid</a:t>
-            </a:r>
-          </a:p>
-          <a:p>
-            <a:r>
+              <a:t>Find the 26 close initial clusters in initial voxel grid (for 3D voxel grid) or </a:t>
+            </a:r>
+            <a:br>
               <a:rPr lang="en-US" dirty="0" smtClean="0"/>
-              <a:t>If the average distance of the original point is lower than the voxel grid size, then merge the cluster and keep track of the actions performed</a:t>
-            </a:r>
-            <a:r>
-              <a:rPr lang="it-IT" dirty="0" smtClean="0"/>
-              <a:t> to </a:t>
-            </a:r>
-            <a:r>
-              <a:rPr lang="it-IT" dirty="0" err="1" smtClean="0"/>
-              <a:t>check</a:t>
-            </a:r>
-            <a:r>
-              <a:rPr lang="it-IT" dirty="0"/>
-              <a:t> </a:t>
-            </a:r>
-            <a:r>
-              <a:rPr lang="it-IT" dirty="0" smtClean="0"/>
-              <a:t>…</a:t>
-            </a:r>
+            </a:br>
+            <a:r>
+              <a:rPr lang="en-US" dirty="0" smtClean="0"/>
+              <a:t>Find the 8 close initial clusters in the initial voxel grid (for 2D spherical voxel)</a:t>
+            </a:r>
+          </a:p>
+          <a:p>
+            <a:r>
+              <a:rPr lang="en-US" dirty="0" smtClean="0"/>
+              <a:t>Find closest neighbor cluster, characterized by the minimum </a:t>
+            </a:r>
+            <a:r>
+              <a:rPr lang="en-US" dirty="0" smtClean="0"/>
+              <a:t>average </a:t>
+            </a:r>
+            <a:r>
+              <a:rPr lang="en-US" dirty="0" smtClean="0"/>
+              <a:t>norm of the difference between the original </a:t>
+            </a:r>
+            <a:r>
+              <a:rPr lang="en-US" dirty="0" err="1" smtClean="0"/>
+              <a:t>normals</a:t>
+            </a:r>
+            <a:r>
+              <a:rPr lang="en-US" dirty="0" smtClean="0"/>
+              <a:t> of every initial cluster and the original </a:t>
+            </a:r>
+            <a:r>
+              <a:rPr lang="en-US" dirty="0" err="1" smtClean="0"/>
+              <a:t>normals</a:t>
+            </a:r>
+            <a:r>
+              <a:rPr lang="en-US" dirty="0" smtClean="0"/>
+              <a:t> of every one of the neighbor clusters found at the previous point</a:t>
+            </a:r>
+          </a:p>
+          <a:p>
+            <a:r>
+              <a:rPr lang="en-US" dirty="0" smtClean="0"/>
+              <a:t>If the minimum distance between two clusters is lower than a threshold (set equal to the voxel grid cell’s size), and if each cluster is the closest to each other, then merge them and keep track of the merging actions performed together with the distance of the initial cluster merged</a:t>
+            </a:r>
+          </a:p>
+          <a:p>
+            <a:r>
+              <a:rPr lang="en-US" dirty="0" smtClean="0"/>
+              <a:t>If the minimum distance between two clusters is lower than a threshold, but the cluster to be merged is actually closer to another cluster, perform the merging for the other cluster first</a:t>
+            </a:r>
+          </a:p>
+          <a:p>
+            <a:r>
+              <a:rPr lang="en-US" smtClean="0"/>
+              <a:t>Go back to point 1</a:t>
+            </a:r>
+            <a:endParaRPr lang="en-US" dirty="0" smtClean="0"/>
           </a:p>
           <a:p>
             <a:r>

--- a/20180501/report.PPTX
+++ b/20180501/report.PPTX
@@ -10,6 +10,7 @@
     <p:sldId id="259" r:id="rId4"/>
     <p:sldId id="260" r:id="rId5"/>
     <p:sldId id="261" r:id="rId6"/>
+    <p:sldId id="262" r:id="rId7"/>
   </p:sldIdLst>
   <p:sldSz cx="12192000" cy="6858000"/>
   <p:notesSz cx="6858000" cy="9144000"/>
@@ -4188,10 +4189,9 @@
           </a:p>
           <a:p>
             <a:r>
-              <a:rPr lang="en-US" smtClean="0"/>
+              <a:rPr lang="en-US" dirty="0" smtClean="0"/>
               <a:t>Go back to point 1</a:t>
             </a:r>
-            <a:endParaRPr lang="en-US" dirty="0" smtClean="0"/>
           </a:p>
           <a:p>
             <a:r>
@@ -4205,6 +4205,96 @@
     <p:extLst>
       <p:ext uri="{BB962C8B-B14F-4D97-AF65-F5344CB8AC3E}">
         <p14:creationId xmlns:p14="http://schemas.microsoft.com/office/powerpoint/2010/main" val="2868258782"/>
+      </p:ext>
+    </p:extLst>
+  </p:cSld>
+  <p:clrMapOvr>
+    <a:masterClrMapping/>
+  </p:clrMapOvr>
+</p:sld>
+</file>
+
+<file path=ppt/slides/slide6.xml><?xml version="1.0" encoding="utf-8"?>
+<p:sld xmlns:a="http://schemas.openxmlformats.org/drawingml/2006/main" xmlns:r="http://schemas.openxmlformats.org/officeDocument/2006/relationships" xmlns:p="http://schemas.openxmlformats.org/presentationml/2006/main">
+  <p:cSld>
+    <p:spTree>
+      <p:nvGrpSpPr>
+        <p:cNvPr id="1" name=""/>
+        <p:cNvGrpSpPr/>
+        <p:nvPr/>
+      </p:nvGrpSpPr>
+      <p:grpSpPr>
+        <a:xfrm>
+          <a:off x="0" y="0"/>
+          <a:ext cx="0" cy="0"/>
+          <a:chOff x="0" y="0"/>
+          <a:chExt cx="0" cy="0"/>
+        </a:xfrm>
+      </p:grpSpPr>
+      <p:sp>
+        <p:nvSpPr>
+          <p:cNvPr id="2" name="Titolo 1"/>
+          <p:cNvSpPr>
+            <a:spLocks noGrp="1"/>
+          </p:cNvSpPr>
+          <p:nvPr>
+            <p:ph type="title"/>
+          </p:nvPr>
+        </p:nvSpPr>
+        <p:spPr/>
+        <p:txBody>
+          <a:bodyPr/>
+          <a:lstStyle/>
+          <a:p>
+            <a:r>
+              <a:rPr lang="en-US" dirty="0" smtClean="0"/>
+              <a:t>Future work</a:t>
+            </a:r>
+            <a:endParaRPr lang="it-IT" dirty="0"/>
+          </a:p>
+        </p:txBody>
+      </p:sp>
+      <p:sp>
+        <p:nvSpPr>
+          <p:cNvPr id="3" name="Segnaposto contenuto 2"/>
+          <p:cNvSpPr>
+            <a:spLocks noGrp="1"/>
+          </p:cNvSpPr>
+          <p:nvPr>
+            <p:ph idx="1"/>
+          </p:nvPr>
+        </p:nvSpPr>
+        <p:spPr/>
+        <p:txBody>
+          <a:bodyPr/>
+          <a:lstStyle/>
+          <a:p>
+            <a:r>
+              <a:rPr lang="it-IT" dirty="0" smtClean="0">
+                <a:hlinkClick r:id="rId2"/>
+              </a:rPr>
+              <a:t>https://arxiv.org/pdf/1411.4734v4.pdf</a:t>
+            </a:r>
+            <a:endParaRPr lang="it-IT" dirty="0" smtClean="0"/>
+          </a:p>
+          <a:p>
+            <a:r>
+              <a:rPr lang="it-IT" dirty="0" smtClean="0">
+                <a:hlinkClick r:id="rId3"/>
+              </a:rPr>
+              <a:t>https://cs.nyu.edu/~deigen/dnl/</a:t>
+            </a:r>
+            <a:endParaRPr lang="it-IT" dirty="0" smtClean="0"/>
+          </a:p>
+          <a:p>
+            <a:endParaRPr lang="it-IT" dirty="0"/>
+          </a:p>
+        </p:txBody>
+      </p:sp>
+    </p:spTree>
+    <p:extLst>
+      <p:ext uri="{BB962C8B-B14F-4D97-AF65-F5344CB8AC3E}">
+        <p14:creationId xmlns:p14="http://schemas.microsoft.com/office/powerpoint/2010/main" val="1010459781"/>
       </p:ext>
     </p:extLst>
   </p:cSld>
